--- a/Fortnite.pptx
+++ b/Fortnite.pptx
@@ -104,6 +104,11 @@
       </a:defRPr>
     </a:lvl9pPr>
   </p:defaultTextStyle>
+  <p:extLst>
+    <p:ext uri="{EFAFB233-063F-42B5-8137-9DF3F51BA10A}">
+      <p15:sldGuideLst xmlns:p15="http://schemas.microsoft.com/office/powerpoint/2012/main"/>
+    </p:ext>
+  </p:extLst>
 </p:presentation>
 </file>
 
@@ -3370,7 +3375,14 @@
           <a:bodyPr/>
           <a:lstStyle/>
           <a:p>
-            <a:endParaRPr lang="de-DE"/>
+            <a:r>
+              <a:rPr lang="de-DE" dirty="0"/>
+              <a:t>Das ist eine Präsentation über </a:t>
+            </a:r>
+            <a:r>
+              <a:rPr lang="de-DE"/>
+              <a:t>Fortnite</a:t>
+            </a:r>
           </a:p>
         </p:txBody>
       </p:sp>

--- a/Fortnite.pptx
+++ b/Fortnite.pptx
@@ -6,6 +6,14 @@
   </p:sldMasterIdLst>
   <p:sldIdLst>
     <p:sldId id="256" r:id="rId2"/>
+    <p:sldId id="257" r:id="rId3"/>
+    <p:sldId id="258" r:id="rId4"/>
+    <p:sldId id="259" r:id="rId5"/>
+    <p:sldId id="260" r:id="rId6"/>
+    <p:sldId id="261" r:id="rId7"/>
+    <p:sldId id="262" r:id="rId8"/>
+    <p:sldId id="263" r:id="rId9"/>
+    <p:sldId id="264" r:id="rId10"/>
   </p:sldIdLst>
   <p:sldSz cx="12192000" cy="6858000"/>
   <p:notesSz cx="6858000" cy="9144000"/>
@@ -3390,6 +3398,649 @@
     <p:extLst>
       <p:ext uri="{BB962C8B-B14F-4D97-AF65-F5344CB8AC3E}">
         <p14:creationId xmlns:p14="http://schemas.microsoft.com/office/powerpoint/2010/main" val="3098328467"/>
+      </p:ext>
+    </p:extLst>
+  </p:cSld>
+  <p:clrMapOvr>
+    <a:masterClrMapping/>
+  </p:clrMapOvr>
+</p:sld>
+</file>
+
+<file path=ppt/slides/slide2.xml><?xml version="1.0" encoding="utf-8"?>
+<p:sld xmlns:a="http://schemas.openxmlformats.org/drawingml/2006/main" xmlns:r="http://schemas.openxmlformats.org/officeDocument/2006/relationships" xmlns:p="http://schemas.openxmlformats.org/presentationml/2006/main">
+  <p:cSld>
+    <p:spTree>
+      <p:nvGrpSpPr>
+        <p:cNvPr id="1" name=""/>
+        <p:cNvGrpSpPr/>
+        <p:nvPr/>
+      </p:nvGrpSpPr>
+      <p:grpSpPr>
+        <a:xfrm>
+          <a:off x="0" y="0"/>
+          <a:ext cx="0" cy="0"/>
+          <a:chOff x="0" y="0"/>
+          <a:chExt cx="0" cy="0"/>
+        </a:xfrm>
+      </p:grpSpPr>
+      <p:sp>
+        <p:nvSpPr>
+          <p:cNvPr id="2" name="Titel 1">
+            <a:extLst>
+              <a:ext uri="{FF2B5EF4-FFF2-40B4-BE49-F238E27FC236}">
+                <a16:creationId xmlns:a16="http://schemas.microsoft.com/office/drawing/2014/main" id="{D92C8D29-7890-3D4B-3849-B88B33D5A647}"/>
+              </a:ext>
+            </a:extLst>
+          </p:cNvPr>
+          <p:cNvSpPr>
+            <a:spLocks noGrp="1"/>
+          </p:cNvSpPr>
+          <p:nvPr>
+            <p:ph type="title"/>
+          </p:nvPr>
+        </p:nvSpPr>
+        <p:spPr/>
+        <p:txBody>
+          <a:bodyPr/>
+          <a:lstStyle/>
+          <a:p>
+            <a:endParaRPr lang="de-DE"/>
+          </a:p>
+        </p:txBody>
+      </p:sp>
+      <p:sp>
+        <p:nvSpPr>
+          <p:cNvPr id="3" name="Inhaltsplatzhalter 2">
+            <a:extLst>
+              <a:ext uri="{FF2B5EF4-FFF2-40B4-BE49-F238E27FC236}">
+                <a16:creationId xmlns:a16="http://schemas.microsoft.com/office/drawing/2014/main" id="{2305854F-E83B-FFD8-FA6F-E179C59B53A9}"/>
+              </a:ext>
+            </a:extLst>
+          </p:cNvPr>
+          <p:cNvSpPr>
+            <a:spLocks noGrp="1"/>
+          </p:cNvSpPr>
+          <p:nvPr>
+            <p:ph idx="1"/>
+          </p:nvPr>
+        </p:nvSpPr>
+        <p:spPr/>
+        <p:txBody>
+          <a:bodyPr/>
+          <a:lstStyle/>
+          <a:p>
+            <a:endParaRPr lang="de-DE"/>
+          </a:p>
+        </p:txBody>
+      </p:sp>
+    </p:spTree>
+    <p:extLst>
+      <p:ext uri="{BB962C8B-B14F-4D97-AF65-F5344CB8AC3E}">
+        <p14:creationId xmlns:p14="http://schemas.microsoft.com/office/powerpoint/2010/main" val="1749964984"/>
+      </p:ext>
+    </p:extLst>
+  </p:cSld>
+  <p:clrMapOvr>
+    <a:masterClrMapping/>
+  </p:clrMapOvr>
+</p:sld>
+</file>
+
+<file path=ppt/slides/slide3.xml><?xml version="1.0" encoding="utf-8"?>
+<p:sld xmlns:a="http://schemas.openxmlformats.org/drawingml/2006/main" xmlns:r="http://schemas.openxmlformats.org/officeDocument/2006/relationships" xmlns:p="http://schemas.openxmlformats.org/presentationml/2006/main">
+  <p:cSld>
+    <p:spTree>
+      <p:nvGrpSpPr>
+        <p:cNvPr id="1" name=""/>
+        <p:cNvGrpSpPr/>
+        <p:nvPr/>
+      </p:nvGrpSpPr>
+      <p:grpSpPr>
+        <a:xfrm>
+          <a:off x="0" y="0"/>
+          <a:ext cx="0" cy="0"/>
+          <a:chOff x="0" y="0"/>
+          <a:chExt cx="0" cy="0"/>
+        </a:xfrm>
+      </p:grpSpPr>
+      <p:sp>
+        <p:nvSpPr>
+          <p:cNvPr id="2" name="Titel 1">
+            <a:extLst>
+              <a:ext uri="{FF2B5EF4-FFF2-40B4-BE49-F238E27FC236}">
+                <a16:creationId xmlns:a16="http://schemas.microsoft.com/office/drawing/2014/main" id="{2C32AACC-90E2-3BD3-5EC8-62E76DE78421}"/>
+              </a:ext>
+            </a:extLst>
+          </p:cNvPr>
+          <p:cNvSpPr>
+            <a:spLocks noGrp="1"/>
+          </p:cNvSpPr>
+          <p:nvPr>
+            <p:ph type="title"/>
+          </p:nvPr>
+        </p:nvSpPr>
+        <p:spPr/>
+        <p:txBody>
+          <a:bodyPr/>
+          <a:lstStyle/>
+          <a:p>
+            <a:endParaRPr lang="de-DE"/>
+          </a:p>
+        </p:txBody>
+      </p:sp>
+      <p:sp>
+        <p:nvSpPr>
+          <p:cNvPr id="3" name="Inhaltsplatzhalter 2">
+            <a:extLst>
+              <a:ext uri="{FF2B5EF4-FFF2-40B4-BE49-F238E27FC236}">
+                <a16:creationId xmlns:a16="http://schemas.microsoft.com/office/drawing/2014/main" id="{DDFBD248-F3FF-FC0D-8A9D-BA7FEAB49330}"/>
+              </a:ext>
+            </a:extLst>
+          </p:cNvPr>
+          <p:cNvSpPr>
+            <a:spLocks noGrp="1"/>
+          </p:cNvSpPr>
+          <p:nvPr>
+            <p:ph idx="1"/>
+          </p:nvPr>
+        </p:nvSpPr>
+        <p:spPr/>
+        <p:txBody>
+          <a:bodyPr/>
+          <a:lstStyle/>
+          <a:p>
+            <a:endParaRPr lang="de-DE"/>
+          </a:p>
+        </p:txBody>
+      </p:sp>
+    </p:spTree>
+    <p:extLst>
+      <p:ext uri="{BB962C8B-B14F-4D97-AF65-F5344CB8AC3E}">
+        <p14:creationId xmlns:p14="http://schemas.microsoft.com/office/powerpoint/2010/main" val="1467464876"/>
+      </p:ext>
+    </p:extLst>
+  </p:cSld>
+  <p:clrMapOvr>
+    <a:masterClrMapping/>
+  </p:clrMapOvr>
+</p:sld>
+</file>
+
+<file path=ppt/slides/slide4.xml><?xml version="1.0" encoding="utf-8"?>
+<p:sld xmlns:a="http://schemas.openxmlformats.org/drawingml/2006/main" xmlns:r="http://schemas.openxmlformats.org/officeDocument/2006/relationships" xmlns:p="http://schemas.openxmlformats.org/presentationml/2006/main">
+  <p:cSld>
+    <p:spTree>
+      <p:nvGrpSpPr>
+        <p:cNvPr id="1" name=""/>
+        <p:cNvGrpSpPr/>
+        <p:nvPr/>
+      </p:nvGrpSpPr>
+      <p:grpSpPr>
+        <a:xfrm>
+          <a:off x="0" y="0"/>
+          <a:ext cx="0" cy="0"/>
+          <a:chOff x="0" y="0"/>
+          <a:chExt cx="0" cy="0"/>
+        </a:xfrm>
+      </p:grpSpPr>
+      <p:sp>
+        <p:nvSpPr>
+          <p:cNvPr id="2" name="Titel 1">
+            <a:extLst>
+              <a:ext uri="{FF2B5EF4-FFF2-40B4-BE49-F238E27FC236}">
+                <a16:creationId xmlns:a16="http://schemas.microsoft.com/office/drawing/2014/main" id="{1D552C1A-7483-2057-42D4-A71985155B11}"/>
+              </a:ext>
+            </a:extLst>
+          </p:cNvPr>
+          <p:cNvSpPr>
+            <a:spLocks noGrp="1"/>
+          </p:cNvSpPr>
+          <p:nvPr>
+            <p:ph type="title"/>
+          </p:nvPr>
+        </p:nvSpPr>
+        <p:spPr/>
+        <p:txBody>
+          <a:bodyPr/>
+          <a:lstStyle/>
+          <a:p>
+            <a:endParaRPr lang="de-DE"/>
+          </a:p>
+        </p:txBody>
+      </p:sp>
+      <p:sp>
+        <p:nvSpPr>
+          <p:cNvPr id="3" name="Inhaltsplatzhalter 2">
+            <a:extLst>
+              <a:ext uri="{FF2B5EF4-FFF2-40B4-BE49-F238E27FC236}">
+                <a16:creationId xmlns:a16="http://schemas.microsoft.com/office/drawing/2014/main" id="{F8BBEA5C-FB8B-98F9-671B-E50BCD9FDEB9}"/>
+              </a:ext>
+            </a:extLst>
+          </p:cNvPr>
+          <p:cNvSpPr>
+            <a:spLocks noGrp="1"/>
+          </p:cNvSpPr>
+          <p:nvPr>
+            <p:ph idx="1"/>
+          </p:nvPr>
+        </p:nvSpPr>
+        <p:spPr/>
+        <p:txBody>
+          <a:bodyPr/>
+          <a:lstStyle/>
+          <a:p>
+            <a:endParaRPr lang="de-DE"/>
+          </a:p>
+        </p:txBody>
+      </p:sp>
+    </p:spTree>
+    <p:extLst>
+      <p:ext uri="{BB962C8B-B14F-4D97-AF65-F5344CB8AC3E}">
+        <p14:creationId xmlns:p14="http://schemas.microsoft.com/office/powerpoint/2010/main" val="1477593547"/>
+      </p:ext>
+    </p:extLst>
+  </p:cSld>
+  <p:clrMapOvr>
+    <a:masterClrMapping/>
+  </p:clrMapOvr>
+</p:sld>
+</file>
+
+<file path=ppt/slides/slide5.xml><?xml version="1.0" encoding="utf-8"?>
+<p:sld xmlns:a="http://schemas.openxmlformats.org/drawingml/2006/main" xmlns:r="http://schemas.openxmlformats.org/officeDocument/2006/relationships" xmlns:p="http://schemas.openxmlformats.org/presentationml/2006/main">
+  <p:cSld>
+    <p:spTree>
+      <p:nvGrpSpPr>
+        <p:cNvPr id="1" name=""/>
+        <p:cNvGrpSpPr/>
+        <p:nvPr/>
+      </p:nvGrpSpPr>
+      <p:grpSpPr>
+        <a:xfrm>
+          <a:off x="0" y="0"/>
+          <a:ext cx="0" cy="0"/>
+          <a:chOff x="0" y="0"/>
+          <a:chExt cx="0" cy="0"/>
+        </a:xfrm>
+      </p:grpSpPr>
+      <p:sp>
+        <p:nvSpPr>
+          <p:cNvPr id="2" name="Titel 1">
+            <a:extLst>
+              <a:ext uri="{FF2B5EF4-FFF2-40B4-BE49-F238E27FC236}">
+                <a16:creationId xmlns:a16="http://schemas.microsoft.com/office/drawing/2014/main" id="{A7CFBAC3-123B-5231-63C8-543E40A82557}"/>
+              </a:ext>
+            </a:extLst>
+          </p:cNvPr>
+          <p:cNvSpPr>
+            <a:spLocks noGrp="1"/>
+          </p:cNvSpPr>
+          <p:nvPr>
+            <p:ph type="title"/>
+          </p:nvPr>
+        </p:nvSpPr>
+        <p:spPr/>
+        <p:txBody>
+          <a:bodyPr/>
+          <a:lstStyle/>
+          <a:p>
+            <a:endParaRPr lang="de-DE"/>
+          </a:p>
+        </p:txBody>
+      </p:sp>
+      <p:sp>
+        <p:nvSpPr>
+          <p:cNvPr id="3" name="Inhaltsplatzhalter 2">
+            <a:extLst>
+              <a:ext uri="{FF2B5EF4-FFF2-40B4-BE49-F238E27FC236}">
+                <a16:creationId xmlns:a16="http://schemas.microsoft.com/office/drawing/2014/main" id="{F968D78D-C7C8-7539-CB34-D4305A99DC71}"/>
+              </a:ext>
+            </a:extLst>
+          </p:cNvPr>
+          <p:cNvSpPr>
+            <a:spLocks noGrp="1"/>
+          </p:cNvSpPr>
+          <p:nvPr>
+            <p:ph idx="1"/>
+          </p:nvPr>
+        </p:nvSpPr>
+        <p:spPr/>
+        <p:txBody>
+          <a:bodyPr/>
+          <a:lstStyle/>
+          <a:p>
+            <a:endParaRPr lang="de-DE"/>
+          </a:p>
+        </p:txBody>
+      </p:sp>
+    </p:spTree>
+    <p:extLst>
+      <p:ext uri="{BB962C8B-B14F-4D97-AF65-F5344CB8AC3E}">
+        <p14:creationId xmlns:p14="http://schemas.microsoft.com/office/powerpoint/2010/main" val="1357138175"/>
+      </p:ext>
+    </p:extLst>
+  </p:cSld>
+  <p:clrMapOvr>
+    <a:masterClrMapping/>
+  </p:clrMapOvr>
+</p:sld>
+</file>
+
+<file path=ppt/slides/slide6.xml><?xml version="1.0" encoding="utf-8"?>
+<p:sld xmlns:a="http://schemas.openxmlformats.org/drawingml/2006/main" xmlns:r="http://schemas.openxmlformats.org/officeDocument/2006/relationships" xmlns:p="http://schemas.openxmlformats.org/presentationml/2006/main">
+  <p:cSld>
+    <p:spTree>
+      <p:nvGrpSpPr>
+        <p:cNvPr id="1" name=""/>
+        <p:cNvGrpSpPr/>
+        <p:nvPr/>
+      </p:nvGrpSpPr>
+      <p:grpSpPr>
+        <a:xfrm>
+          <a:off x="0" y="0"/>
+          <a:ext cx="0" cy="0"/>
+          <a:chOff x="0" y="0"/>
+          <a:chExt cx="0" cy="0"/>
+        </a:xfrm>
+      </p:grpSpPr>
+      <p:sp>
+        <p:nvSpPr>
+          <p:cNvPr id="2" name="Titel 1">
+            <a:extLst>
+              <a:ext uri="{FF2B5EF4-FFF2-40B4-BE49-F238E27FC236}">
+                <a16:creationId xmlns:a16="http://schemas.microsoft.com/office/drawing/2014/main" id="{E8C129A7-C371-FD1E-2BB5-408561A29C4A}"/>
+              </a:ext>
+            </a:extLst>
+          </p:cNvPr>
+          <p:cNvSpPr>
+            <a:spLocks noGrp="1"/>
+          </p:cNvSpPr>
+          <p:nvPr>
+            <p:ph type="title"/>
+          </p:nvPr>
+        </p:nvSpPr>
+        <p:spPr/>
+        <p:txBody>
+          <a:bodyPr/>
+          <a:lstStyle/>
+          <a:p>
+            <a:endParaRPr lang="de-DE"/>
+          </a:p>
+        </p:txBody>
+      </p:sp>
+      <p:sp>
+        <p:nvSpPr>
+          <p:cNvPr id="3" name="Inhaltsplatzhalter 2">
+            <a:extLst>
+              <a:ext uri="{FF2B5EF4-FFF2-40B4-BE49-F238E27FC236}">
+                <a16:creationId xmlns:a16="http://schemas.microsoft.com/office/drawing/2014/main" id="{35F9B64F-CF8C-DC81-76E0-69A3A3A8FBDC}"/>
+              </a:ext>
+            </a:extLst>
+          </p:cNvPr>
+          <p:cNvSpPr>
+            <a:spLocks noGrp="1"/>
+          </p:cNvSpPr>
+          <p:nvPr>
+            <p:ph idx="1"/>
+          </p:nvPr>
+        </p:nvSpPr>
+        <p:spPr/>
+        <p:txBody>
+          <a:bodyPr/>
+          <a:lstStyle/>
+          <a:p>
+            <a:endParaRPr lang="de-DE"/>
+          </a:p>
+        </p:txBody>
+      </p:sp>
+    </p:spTree>
+    <p:extLst>
+      <p:ext uri="{BB962C8B-B14F-4D97-AF65-F5344CB8AC3E}">
+        <p14:creationId xmlns:p14="http://schemas.microsoft.com/office/powerpoint/2010/main" val="3437937190"/>
+      </p:ext>
+    </p:extLst>
+  </p:cSld>
+  <p:clrMapOvr>
+    <a:masterClrMapping/>
+  </p:clrMapOvr>
+</p:sld>
+</file>
+
+<file path=ppt/slides/slide7.xml><?xml version="1.0" encoding="utf-8"?>
+<p:sld xmlns:a="http://schemas.openxmlformats.org/drawingml/2006/main" xmlns:r="http://schemas.openxmlformats.org/officeDocument/2006/relationships" xmlns:p="http://schemas.openxmlformats.org/presentationml/2006/main">
+  <p:cSld>
+    <p:spTree>
+      <p:nvGrpSpPr>
+        <p:cNvPr id="1" name=""/>
+        <p:cNvGrpSpPr/>
+        <p:nvPr/>
+      </p:nvGrpSpPr>
+      <p:grpSpPr>
+        <a:xfrm>
+          <a:off x="0" y="0"/>
+          <a:ext cx="0" cy="0"/>
+          <a:chOff x="0" y="0"/>
+          <a:chExt cx="0" cy="0"/>
+        </a:xfrm>
+      </p:grpSpPr>
+      <p:sp>
+        <p:nvSpPr>
+          <p:cNvPr id="2" name="Titel 1">
+            <a:extLst>
+              <a:ext uri="{FF2B5EF4-FFF2-40B4-BE49-F238E27FC236}">
+                <a16:creationId xmlns:a16="http://schemas.microsoft.com/office/drawing/2014/main" id="{2C07206F-9E7D-9D5C-67A9-D9FACA1F9DC5}"/>
+              </a:ext>
+            </a:extLst>
+          </p:cNvPr>
+          <p:cNvSpPr>
+            <a:spLocks noGrp="1"/>
+          </p:cNvSpPr>
+          <p:nvPr>
+            <p:ph type="title"/>
+          </p:nvPr>
+        </p:nvSpPr>
+        <p:spPr/>
+        <p:txBody>
+          <a:bodyPr/>
+          <a:lstStyle/>
+          <a:p>
+            <a:endParaRPr lang="de-DE"/>
+          </a:p>
+        </p:txBody>
+      </p:sp>
+      <p:sp>
+        <p:nvSpPr>
+          <p:cNvPr id="3" name="Inhaltsplatzhalter 2">
+            <a:extLst>
+              <a:ext uri="{FF2B5EF4-FFF2-40B4-BE49-F238E27FC236}">
+                <a16:creationId xmlns:a16="http://schemas.microsoft.com/office/drawing/2014/main" id="{2E70E071-69C8-D0A8-D235-B5391E957E62}"/>
+              </a:ext>
+            </a:extLst>
+          </p:cNvPr>
+          <p:cNvSpPr>
+            <a:spLocks noGrp="1"/>
+          </p:cNvSpPr>
+          <p:nvPr>
+            <p:ph idx="1"/>
+          </p:nvPr>
+        </p:nvSpPr>
+        <p:spPr/>
+        <p:txBody>
+          <a:bodyPr/>
+          <a:lstStyle/>
+          <a:p>
+            <a:endParaRPr lang="de-DE"/>
+          </a:p>
+        </p:txBody>
+      </p:sp>
+    </p:spTree>
+    <p:extLst>
+      <p:ext uri="{BB962C8B-B14F-4D97-AF65-F5344CB8AC3E}">
+        <p14:creationId xmlns:p14="http://schemas.microsoft.com/office/powerpoint/2010/main" val="3691079029"/>
+      </p:ext>
+    </p:extLst>
+  </p:cSld>
+  <p:clrMapOvr>
+    <a:masterClrMapping/>
+  </p:clrMapOvr>
+</p:sld>
+</file>
+
+<file path=ppt/slides/slide8.xml><?xml version="1.0" encoding="utf-8"?>
+<p:sld xmlns:a="http://schemas.openxmlformats.org/drawingml/2006/main" xmlns:r="http://schemas.openxmlformats.org/officeDocument/2006/relationships" xmlns:p="http://schemas.openxmlformats.org/presentationml/2006/main">
+  <p:cSld>
+    <p:spTree>
+      <p:nvGrpSpPr>
+        <p:cNvPr id="1" name=""/>
+        <p:cNvGrpSpPr/>
+        <p:nvPr/>
+      </p:nvGrpSpPr>
+      <p:grpSpPr>
+        <a:xfrm>
+          <a:off x="0" y="0"/>
+          <a:ext cx="0" cy="0"/>
+          <a:chOff x="0" y="0"/>
+          <a:chExt cx="0" cy="0"/>
+        </a:xfrm>
+      </p:grpSpPr>
+      <p:sp>
+        <p:nvSpPr>
+          <p:cNvPr id="2" name="Titel 1">
+            <a:extLst>
+              <a:ext uri="{FF2B5EF4-FFF2-40B4-BE49-F238E27FC236}">
+                <a16:creationId xmlns:a16="http://schemas.microsoft.com/office/drawing/2014/main" id="{AC162A24-BF1F-2961-2C81-1E8D1F9A88E3}"/>
+              </a:ext>
+            </a:extLst>
+          </p:cNvPr>
+          <p:cNvSpPr>
+            <a:spLocks noGrp="1"/>
+          </p:cNvSpPr>
+          <p:nvPr>
+            <p:ph type="title"/>
+          </p:nvPr>
+        </p:nvSpPr>
+        <p:spPr/>
+        <p:txBody>
+          <a:bodyPr/>
+          <a:lstStyle/>
+          <a:p>
+            <a:endParaRPr lang="de-DE"/>
+          </a:p>
+        </p:txBody>
+      </p:sp>
+      <p:sp>
+        <p:nvSpPr>
+          <p:cNvPr id="3" name="Inhaltsplatzhalter 2">
+            <a:extLst>
+              <a:ext uri="{FF2B5EF4-FFF2-40B4-BE49-F238E27FC236}">
+                <a16:creationId xmlns:a16="http://schemas.microsoft.com/office/drawing/2014/main" id="{5A64206D-E5BC-DA63-6846-67B8F6DB216A}"/>
+              </a:ext>
+            </a:extLst>
+          </p:cNvPr>
+          <p:cNvSpPr>
+            <a:spLocks noGrp="1"/>
+          </p:cNvSpPr>
+          <p:nvPr>
+            <p:ph idx="1"/>
+          </p:nvPr>
+        </p:nvSpPr>
+        <p:spPr/>
+        <p:txBody>
+          <a:bodyPr/>
+          <a:lstStyle/>
+          <a:p>
+            <a:endParaRPr lang="de-DE"/>
+          </a:p>
+        </p:txBody>
+      </p:sp>
+    </p:spTree>
+    <p:extLst>
+      <p:ext uri="{BB962C8B-B14F-4D97-AF65-F5344CB8AC3E}">
+        <p14:creationId xmlns:p14="http://schemas.microsoft.com/office/powerpoint/2010/main" val="3290108768"/>
+      </p:ext>
+    </p:extLst>
+  </p:cSld>
+  <p:clrMapOvr>
+    <a:masterClrMapping/>
+  </p:clrMapOvr>
+</p:sld>
+</file>
+
+<file path=ppt/slides/slide9.xml><?xml version="1.0" encoding="utf-8"?>
+<p:sld xmlns:a="http://schemas.openxmlformats.org/drawingml/2006/main" xmlns:r="http://schemas.openxmlformats.org/officeDocument/2006/relationships" xmlns:p="http://schemas.openxmlformats.org/presentationml/2006/main">
+  <p:cSld>
+    <p:spTree>
+      <p:nvGrpSpPr>
+        <p:cNvPr id="1" name=""/>
+        <p:cNvGrpSpPr/>
+        <p:nvPr/>
+      </p:nvGrpSpPr>
+      <p:grpSpPr>
+        <a:xfrm>
+          <a:off x="0" y="0"/>
+          <a:ext cx="0" cy="0"/>
+          <a:chOff x="0" y="0"/>
+          <a:chExt cx="0" cy="0"/>
+        </a:xfrm>
+      </p:grpSpPr>
+      <p:sp>
+        <p:nvSpPr>
+          <p:cNvPr id="2" name="Titel 1">
+            <a:extLst>
+              <a:ext uri="{FF2B5EF4-FFF2-40B4-BE49-F238E27FC236}">
+                <a16:creationId xmlns:a16="http://schemas.microsoft.com/office/drawing/2014/main" id="{EE77C15B-A632-4AF6-F11C-7A5C1EDFA761}"/>
+              </a:ext>
+            </a:extLst>
+          </p:cNvPr>
+          <p:cNvSpPr>
+            <a:spLocks noGrp="1"/>
+          </p:cNvSpPr>
+          <p:nvPr>
+            <p:ph type="title"/>
+          </p:nvPr>
+        </p:nvSpPr>
+        <p:spPr/>
+        <p:txBody>
+          <a:bodyPr/>
+          <a:lstStyle/>
+          <a:p>
+            <a:r>
+              <a:rPr lang="de-DE"/>
+              <a:t>Danke</a:t>
+            </a:r>
+          </a:p>
+        </p:txBody>
+      </p:sp>
+      <p:sp>
+        <p:nvSpPr>
+          <p:cNvPr id="3" name="Inhaltsplatzhalter 2">
+            <a:extLst>
+              <a:ext uri="{FF2B5EF4-FFF2-40B4-BE49-F238E27FC236}">
+                <a16:creationId xmlns:a16="http://schemas.microsoft.com/office/drawing/2014/main" id="{CBF8F17A-C1D6-B4D4-3C37-30C739F59460}"/>
+              </a:ext>
+            </a:extLst>
+          </p:cNvPr>
+          <p:cNvSpPr>
+            <a:spLocks noGrp="1"/>
+          </p:cNvSpPr>
+          <p:nvPr>
+            <p:ph idx="1"/>
+          </p:nvPr>
+        </p:nvSpPr>
+        <p:spPr/>
+        <p:txBody>
+          <a:bodyPr/>
+          <a:lstStyle/>
+          <a:p>
+            <a:endParaRPr lang="de-DE"/>
+          </a:p>
+        </p:txBody>
+      </p:sp>
+    </p:spTree>
+    <p:extLst>
+      <p:ext uri="{BB962C8B-B14F-4D97-AF65-F5344CB8AC3E}">
+        <p14:creationId xmlns:p14="http://schemas.microsoft.com/office/powerpoint/2010/main" val="3416733424"/>
       </p:ext>
     </p:extLst>
   </p:cSld>
